--- a/encuentro.pptx
+++ b/encuentro.pptx
@@ -104,6 +104,11 @@
       </a:defRPr>
     </a:lvl9pPr>
   </p:defaultTextStyle>
+  <p:extLst>
+    <p:ext uri="{EFAFB233-063F-42B5-8137-9DF3F51BA10A}">
+      <p15:sldGuideLst xmlns:p15="http://schemas.microsoft.com/office/powerpoint/2012/main"/>
+    </p:ext>
+  </p:extLst>
 </p:presentation>
 </file>
 
@@ -256,7 +261,7 @@
           <a:p>
             <a:fld id="{168763DC-A0B0-9540-9D5D-5078E757E123}" type="datetimeFigureOut">
               <a:rPr lang="en-MX" smtClean="0"/>
-              <a:t>29/05/23</a:t>
+              <a:t>12/07/23</a:t>
             </a:fld>
             <a:endParaRPr lang="en-MX"/>
           </a:p>
@@ -456,7 +461,7 @@
           <a:p>
             <a:fld id="{168763DC-A0B0-9540-9D5D-5078E757E123}" type="datetimeFigureOut">
               <a:rPr lang="en-MX" smtClean="0"/>
-              <a:t>29/05/23</a:t>
+              <a:t>12/07/23</a:t>
             </a:fld>
             <a:endParaRPr lang="en-MX"/>
           </a:p>
@@ -666,7 +671,7 @@
           <a:p>
             <a:fld id="{168763DC-A0B0-9540-9D5D-5078E757E123}" type="datetimeFigureOut">
               <a:rPr lang="en-MX" smtClean="0"/>
-              <a:t>29/05/23</a:t>
+              <a:t>12/07/23</a:t>
             </a:fld>
             <a:endParaRPr lang="en-MX"/>
           </a:p>
@@ -866,7 +871,7 @@
           <a:p>
             <a:fld id="{168763DC-A0B0-9540-9D5D-5078E757E123}" type="datetimeFigureOut">
               <a:rPr lang="en-MX" smtClean="0"/>
-              <a:t>29/05/23</a:t>
+              <a:t>12/07/23</a:t>
             </a:fld>
             <a:endParaRPr lang="en-MX"/>
           </a:p>
@@ -1142,7 +1147,7 @@
           <a:p>
             <a:fld id="{168763DC-A0B0-9540-9D5D-5078E757E123}" type="datetimeFigureOut">
               <a:rPr lang="en-MX" smtClean="0"/>
-              <a:t>29/05/23</a:t>
+              <a:t>12/07/23</a:t>
             </a:fld>
             <a:endParaRPr lang="en-MX"/>
           </a:p>
@@ -1410,7 +1415,7 @@
           <a:p>
             <a:fld id="{168763DC-A0B0-9540-9D5D-5078E757E123}" type="datetimeFigureOut">
               <a:rPr lang="en-MX" smtClean="0"/>
-              <a:t>29/05/23</a:t>
+              <a:t>12/07/23</a:t>
             </a:fld>
             <a:endParaRPr lang="en-MX"/>
           </a:p>
@@ -1825,7 +1830,7 @@
           <a:p>
             <a:fld id="{168763DC-A0B0-9540-9D5D-5078E757E123}" type="datetimeFigureOut">
               <a:rPr lang="en-MX" smtClean="0"/>
-              <a:t>29/05/23</a:t>
+              <a:t>12/07/23</a:t>
             </a:fld>
             <a:endParaRPr lang="en-MX"/>
           </a:p>
@@ -1967,7 +1972,7 @@
           <a:p>
             <a:fld id="{168763DC-A0B0-9540-9D5D-5078E757E123}" type="datetimeFigureOut">
               <a:rPr lang="en-MX" smtClean="0"/>
-              <a:t>29/05/23</a:t>
+              <a:t>12/07/23</a:t>
             </a:fld>
             <a:endParaRPr lang="en-MX"/>
           </a:p>
@@ -2080,7 +2085,7 @@
           <a:p>
             <a:fld id="{168763DC-A0B0-9540-9D5D-5078E757E123}" type="datetimeFigureOut">
               <a:rPr lang="en-MX" smtClean="0"/>
-              <a:t>29/05/23</a:t>
+              <a:t>12/07/23</a:t>
             </a:fld>
             <a:endParaRPr lang="en-MX"/>
           </a:p>
@@ -2393,7 +2398,7 @@
           <a:p>
             <a:fld id="{168763DC-A0B0-9540-9D5D-5078E757E123}" type="datetimeFigureOut">
               <a:rPr lang="en-MX" smtClean="0"/>
-              <a:t>29/05/23</a:t>
+              <a:t>12/07/23</a:t>
             </a:fld>
             <a:endParaRPr lang="en-MX"/>
           </a:p>
@@ -2682,7 +2687,7 @@
           <a:p>
             <a:fld id="{168763DC-A0B0-9540-9D5D-5078E757E123}" type="datetimeFigureOut">
               <a:rPr lang="en-MX" smtClean="0"/>
-              <a:t>29/05/23</a:t>
+              <a:t>12/07/23</a:t>
             </a:fld>
             <a:endParaRPr lang="en-MX"/>
           </a:p>
@@ -2925,7 +2930,7 @@
           <a:p>
             <a:fld id="{168763DC-A0B0-9540-9D5D-5078E757E123}" type="datetimeFigureOut">
               <a:rPr lang="en-MX" smtClean="0"/>
-              <a:t>29/05/23</a:t>
+              <a:t>12/07/23</a:t>
             </a:fld>
             <a:endParaRPr lang="en-MX"/>
           </a:p>
@@ -3342,6 +3347,55 @@
           <a:chExt cx="0" cy="0"/>
         </a:xfrm>
       </p:grpSpPr>
+      <p:sp>
+        <p:nvSpPr>
+          <p:cNvPr id="2" name="Rectangle 1">
+            <a:extLst>
+              <a:ext uri="{FF2B5EF4-FFF2-40B4-BE49-F238E27FC236}">
+                <a16:creationId xmlns:a16="http://schemas.microsoft.com/office/drawing/2014/main" id="{6BF3887A-A3B9-FCD4-995D-900D48BC50FE}"/>
+              </a:ext>
+            </a:extLst>
+          </p:cNvPr>
+          <p:cNvSpPr/>
+          <p:nvPr/>
+        </p:nvSpPr>
+        <p:spPr>
+          <a:xfrm>
+            <a:off x="0" y="0"/>
+            <a:ext cx="12192000" cy="6858000"/>
+          </a:xfrm>
+          <a:prstGeom prst="rect">
+            <a:avLst/>
+          </a:prstGeom>
+          <a:solidFill>
+            <a:schemeClr val="bg1"/>
+          </a:solidFill>
+        </p:spPr>
+        <p:style>
+          <a:lnRef idx="2">
+            <a:schemeClr val="accent1">
+              <a:shade val="15000"/>
+            </a:schemeClr>
+          </a:lnRef>
+          <a:fillRef idx="1">
+            <a:schemeClr val="accent1"/>
+          </a:fillRef>
+          <a:effectRef idx="0">
+            <a:schemeClr val="accent1"/>
+          </a:effectRef>
+          <a:fontRef idx="minor">
+            <a:schemeClr val="lt1"/>
+          </a:fontRef>
+        </p:style>
+        <p:txBody>
+          <a:bodyPr rtlCol="0" anchor="ctr"/>
+          <a:lstStyle/>
+          <a:p>
+            <a:pPr algn="ctr"/>
+            <a:endParaRPr lang="en-MX"/>
+          </a:p>
+        </p:txBody>
+      </p:sp>
       <p:pic>
         <p:nvPicPr>
           <p:cNvPr id="5" name="Picture 4">
@@ -3364,7 +3418,7 @@
         </p:blipFill>
         <p:spPr>
           <a:xfrm>
-            <a:off x="0" y="389492"/>
+            <a:off x="0" y="0"/>
             <a:ext cx="12192000" cy="2936758"/>
           </a:xfrm>
           <a:prstGeom prst="rect">
@@ -3386,7 +3440,7 @@
         </p:nvSpPr>
         <p:spPr>
           <a:xfrm>
-            <a:off x="3604592" y="1740665"/>
+            <a:off x="3604592" y="1351173"/>
             <a:ext cx="1619479" cy="707886"/>
           </a:xfrm>
           <a:prstGeom prst="rect">

--- a/encuentro.pptx
+++ b/encuentro.pptx
@@ -261,7 +261,7 @@
           <a:p>
             <a:fld id="{168763DC-A0B0-9540-9D5D-5078E757E123}" type="datetimeFigureOut">
               <a:rPr lang="en-MX" smtClean="0"/>
-              <a:t>12/07/23</a:t>
+              <a:t>09/08/24</a:t>
             </a:fld>
             <a:endParaRPr lang="en-MX"/>
           </a:p>
@@ -461,7 +461,7 @@
           <a:p>
             <a:fld id="{168763DC-A0B0-9540-9D5D-5078E757E123}" type="datetimeFigureOut">
               <a:rPr lang="en-MX" smtClean="0"/>
-              <a:t>12/07/23</a:t>
+              <a:t>09/08/24</a:t>
             </a:fld>
             <a:endParaRPr lang="en-MX"/>
           </a:p>
@@ -671,7 +671,7 @@
           <a:p>
             <a:fld id="{168763DC-A0B0-9540-9D5D-5078E757E123}" type="datetimeFigureOut">
               <a:rPr lang="en-MX" smtClean="0"/>
-              <a:t>12/07/23</a:t>
+              <a:t>09/08/24</a:t>
             </a:fld>
             <a:endParaRPr lang="en-MX"/>
           </a:p>
@@ -871,7 +871,7 @@
           <a:p>
             <a:fld id="{168763DC-A0B0-9540-9D5D-5078E757E123}" type="datetimeFigureOut">
               <a:rPr lang="en-MX" smtClean="0"/>
-              <a:t>12/07/23</a:t>
+              <a:t>09/08/24</a:t>
             </a:fld>
             <a:endParaRPr lang="en-MX"/>
           </a:p>
@@ -1147,7 +1147,7 @@
           <a:p>
             <a:fld id="{168763DC-A0B0-9540-9D5D-5078E757E123}" type="datetimeFigureOut">
               <a:rPr lang="en-MX" smtClean="0"/>
-              <a:t>12/07/23</a:t>
+              <a:t>09/08/24</a:t>
             </a:fld>
             <a:endParaRPr lang="en-MX"/>
           </a:p>
@@ -1415,7 +1415,7 @@
           <a:p>
             <a:fld id="{168763DC-A0B0-9540-9D5D-5078E757E123}" type="datetimeFigureOut">
               <a:rPr lang="en-MX" smtClean="0"/>
-              <a:t>12/07/23</a:t>
+              <a:t>09/08/24</a:t>
             </a:fld>
             <a:endParaRPr lang="en-MX"/>
           </a:p>
@@ -1830,7 +1830,7 @@
           <a:p>
             <a:fld id="{168763DC-A0B0-9540-9D5D-5078E757E123}" type="datetimeFigureOut">
               <a:rPr lang="en-MX" smtClean="0"/>
-              <a:t>12/07/23</a:t>
+              <a:t>09/08/24</a:t>
             </a:fld>
             <a:endParaRPr lang="en-MX"/>
           </a:p>
@@ -1972,7 +1972,7 @@
           <a:p>
             <a:fld id="{168763DC-A0B0-9540-9D5D-5078E757E123}" type="datetimeFigureOut">
               <a:rPr lang="en-MX" smtClean="0"/>
-              <a:t>12/07/23</a:t>
+              <a:t>09/08/24</a:t>
             </a:fld>
             <a:endParaRPr lang="en-MX"/>
           </a:p>
@@ -2085,7 +2085,7 @@
           <a:p>
             <a:fld id="{168763DC-A0B0-9540-9D5D-5078E757E123}" type="datetimeFigureOut">
               <a:rPr lang="en-MX" smtClean="0"/>
-              <a:t>12/07/23</a:t>
+              <a:t>09/08/24</a:t>
             </a:fld>
             <a:endParaRPr lang="en-MX"/>
           </a:p>
@@ -2398,7 +2398,7 @@
           <a:p>
             <a:fld id="{168763DC-A0B0-9540-9D5D-5078E757E123}" type="datetimeFigureOut">
               <a:rPr lang="en-MX" smtClean="0"/>
-              <a:t>12/07/23</a:t>
+              <a:t>09/08/24</a:t>
             </a:fld>
             <a:endParaRPr lang="en-MX"/>
           </a:p>
@@ -2687,7 +2687,7 @@
           <a:p>
             <a:fld id="{168763DC-A0B0-9540-9D5D-5078E757E123}" type="datetimeFigureOut">
               <a:rPr lang="en-MX" smtClean="0"/>
-              <a:t>12/07/23</a:t>
+              <a:t>09/08/24</a:t>
             </a:fld>
             <a:endParaRPr lang="en-MX"/>
           </a:p>
@@ -2930,7 +2930,7 @@
           <a:p>
             <a:fld id="{168763DC-A0B0-9540-9D5D-5078E757E123}" type="datetimeFigureOut">
               <a:rPr lang="en-MX" smtClean="0"/>
-              <a:t>12/07/23</a:t>
+              <a:t>09/08/24</a:t>
             </a:fld>
             <a:endParaRPr lang="en-MX"/>
           </a:p>
@@ -3480,7 +3480,7 @@
                 <a:latin typeface="Arial" panose="020B0604020202020204" pitchFamily="34" charset="0"/>
                 <a:cs typeface="Arial" panose="020B0604020202020204" pitchFamily="34" charset="0"/>
               </a:rPr>
-              <a:t>2023</a:t>
+              <a:t>2024</a:t>
             </a:r>
             <a:endParaRPr lang="en-MX" sz="2400" b="1" dirty="0">
               <a:solidFill>
